--- a/PDF/智慧簽單及派工系統需求說明書(1).pptx
+++ b/PDF/智慧簽單及派工系統需求說明書(1).pptx
@@ -119,6 +119,35 @@
     </p:ext>
   </p:extLst>
 </p:presentation>
+</file>
+
+<file path=ppt/changesInfos/changesInfo1.xml><?xml version="1.0" encoding="utf-8"?>
+<pc:chgInfo xmlns:a="http://schemas.openxmlformats.org/drawingml/2006/main" xmlns:r="http://schemas.openxmlformats.org/officeDocument/2006/relationships" xmlns:ac="http://schemas.microsoft.com/office/drawing/2013/main/command" xmlns:pc="http://schemas.microsoft.com/office/powerpoint/2013/main/command">
+  <pc:docChgLst>
+    <pc:chgData name="廷宇 簡" userId="96b9471e51d015da" providerId="LiveId" clId="{318F94ED-B495-4559-8EAB-C40569C2A700}"/>
+    <pc:docChg chg="modSld">
+      <pc:chgData name="廷宇 簡" userId="96b9471e51d015da" providerId="LiveId" clId="{318F94ED-B495-4559-8EAB-C40569C2A700}" dt="2025-09-22T04:19:22.664" v="2" actId="20577"/>
+      <pc:docMkLst>
+        <pc:docMk/>
+      </pc:docMkLst>
+      <pc:sldChg chg="modSp mod">
+        <pc:chgData name="廷宇 簡" userId="96b9471e51d015da" providerId="LiveId" clId="{318F94ED-B495-4559-8EAB-C40569C2A700}" dt="2025-09-22T04:19:22.664" v="2" actId="20577"/>
+        <pc:sldMkLst>
+          <pc:docMk/>
+          <pc:sldMk cId="0" sldId="256"/>
+        </pc:sldMkLst>
+        <pc:spChg chg="mod">
+          <ac:chgData name="廷宇 簡" userId="96b9471e51d015da" providerId="LiveId" clId="{318F94ED-B495-4559-8EAB-C40569C2A700}" dt="2025-09-22T04:19:22.664" v="2" actId="20577"/>
+          <ac:spMkLst>
+            <pc:docMk/>
+            <pc:sldMk cId="0" sldId="256"/>
+            <ac:spMk id="18" creationId="{00000000-0000-0000-0000-000000000000}"/>
+          </ac:spMkLst>
+        </pc:spChg>
+      </pc:sldChg>
+    </pc:docChg>
+  </pc:docChgLst>
+</pc:chgInfo>
 </file>
 
 <file path=ppt/notesMasters/notesMaster1.xml><?xml version="1.0" encoding="utf-8"?>
@@ -1909,7 +1938,7 @@
               <a:buNone/>
             </a:pPr>
             <a:r>
-              <a:rPr lang="en-US" sz="4400" b="1" dirty="0">
+              <a:rPr lang="en-US" sz="4400" b="1" dirty="0" err="1">
                 <a:solidFill>
                   <a:srgbClr val="333333"/>
                 </a:solidFill>
@@ -1917,7 +1946,7 @@
                 <a:ea typeface="Microsoft YaHei" pitchFamily="34" charset="-122"/>
                 <a:cs typeface="Microsoft YaHei" pitchFamily="34" charset="-120"/>
               </a:rPr>
-              <a:t>智慧簽單及派工系統</a:t>
+              <a:t>智慧簽單系統</a:t>
             </a:r>
             <a:endParaRPr lang="en-US" sz="4400" dirty="0"/>
           </a:p>
